--- a/Хайруллин Артур Ильнурович.pptx
+++ b/Хайруллин Артур Ильнурович.pptx
@@ -3491,7 +3491,7 @@
           <a:p>
             <a:fld id="{A1E45834-53BD-4C8F-B791-CD5378F4150E}" type="datetimeFigureOut">
               <a:rPr lang="en-US" smtClean="0"/>
-              <a:t>5/9/2023</a:t>
+              <a:t>5/11/2023</a:t>
             </a:fld>
             <a:endParaRPr lang="en-US"/>
           </a:p>
@@ -3689,7 +3689,7 @@
           <a:p>
             <a:fld id="{A1E45834-53BD-4C8F-B791-CD5378F4150E}" type="datetimeFigureOut">
               <a:rPr lang="en-US" smtClean="0"/>
-              <a:t>5/9/2023</a:t>
+              <a:t>5/11/2023</a:t>
             </a:fld>
             <a:endParaRPr lang="en-US"/>
           </a:p>
@@ -3897,7 +3897,7 @@
           <a:p>
             <a:fld id="{A1E45834-53BD-4C8F-B791-CD5378F4150E}" type="datetimeFigureOut">
               <a:rPr lang="en-US" smtClean="0"/>
-              <a:t>5/9/2023</a:t>
+              <a:t>5/11/2023</a:t>
             </a:fld>
             <a:endParaRPr lang="en-US"/>
           </a:p>
@@ -4138,7 +4138,7 @@
           <a:p>
             <a:fld id="{A1E45834-53BD-4C8F-B791-CD5378F4150E}" type="datetimeFigureOut">
               <a:rPr lang="en-US" smtClean="0"/>
-              <a:t>5/9/2023</a:t>
+              <a:t>5/11/2023</a:t>
             </a:fld>
             <a:endParaRPr lang="en-US"/>
           </a:p>
@@ -4416,7 +4416,7 @@
           <a:p>
             <a:fld id="{A1E45834-53BD-4C8F-B791-CD5378F4150E}" type="datetimeFigureOut">
               <a:rPr lang="en-US" smtClean="0"/>
-              <a:t>5/9/2023</a:t>
+              <a:t>5/11/2023</a:t>
             </a:fld>
             <a:endParaRPr lang="en-US"/>
           </a:p>
@@ -4686,7 +4686,7 @@
           <a:p>
             <a:fld id="{A1E45834-53BD-4C8F-B791-CD5378F4150E}" type="datetimeFigureOut">
               <a:rPr lang="en-US" smtClean="0"/>
-              <a:t>5/9/2023</a:t>
+              <a:t>5/11/2023</a:t>
             </a:fld>
             <a:endParaRPr lang="en-US"/>
           </a:p>
@@ -5108,7 +5108,7 @@
           <a:p>
             <a:fld id="{A1E45834-53BD-4C8F-B791-CD5378F4150E}" type="datetimeFigureOut">
               <a:rPr lang="en-US" smtClean="0"/>
-              <a:t>5/9/2023</a:t>
+              <a:t>5/11/2023</a:t>
             </a:fld>
             <a:endParaRPr lang="en-US"/>
           </a:p>
@@ -5253,7 +5253,7 @@
           <a:p>
             <a:fld id="{A1E45834-53BD-4C8F-B791-CD5378F4150E}" type="datetimeFigureOut">
               <a:rPr lang="en-US" smtClean="0"/>
-              <a:t>5/9/2023</a:t>
+              <a:t>5/11/2023</a:t>
             </a:fld>
             <a:endParaRPr lang="en-US"/>
           </a:p>
@@ -5366,7 +5366,7 @@
           <a:p>
             <a:fld id="{A1E45834-53BD-4C8F-B791-CD5378F4150E}" type="datetimeFigureOut">
               <a:rPr lang="en-US" smtClean="0"/>
-              <a:t>5/9/2023</a:t>
+              <a:t>5/11/2023</a:t>
             </a:fld>
             <a:endParaRPr lang="en-US"/>
           </a:p>
@@ -5680,7 +5680,7 @@
           <a:p>
             <a:fld id="{A1E45834-53BD-4C8F-B791-CD5378F4150E}" type="datetimeFigureOut">
               <a:rPr lang="en-US" smtClean="0"/>
-              <a:t>5/9/2023</a:t>
+              <a:t>5/11/2023</a:t>
             </a:fld>
             <a:endParaRPr lang="en-US"/>
           </a:p>
@@ -5974,7 +5974,7 @@
           <a:p>
             <a:fld id="{A1E45834-53BD-4C8F-B791-CD5378F4150E}" type="datetimeFigureOut">
               <a:rPr lang="en-US" smtClean="0"/>
-              <a:t>5/9/2023</a:t>
+              <a:t>5/11/2023</a:t>
             </a:fld>
             <a:endParaRPr lang="en-US"/>
           </a:p>
@@ -6213,7 +6213,7 @@
           <a:p>
             <a:fld id="{A1E45834-53BD-4C8F-B791-CD5378F4150E}" type="datetimeFigureOut">
               <a:rPr lang="en-US" smtClean="0"/>
-              <a:t>5/9/2023</a:t>
+              <a:t>5/11/2023</a:t>
             </a:fld>
             <a:endParaRPr lang="en-US"/>
           </a:p>
@@ -6901,16 +6901,26 @@
           <a:p>
             <a:pPr algn="just"/>
             <a:r>
-              <a:rPr lang="ru-RU" sz="2400" dirty="0">
-                <a:latin typeface="Times New Roman"/>
-                <a:cs typeface="Times New Roman"/>
+              <a:rPr lang="ru-RU" sz="3200" dirty="0">
+                <a:latin typeface="Times New Roman" panose="02020603050405020304" pitchFamily="18" charset="0"/>
+                <a:cs typeface="Times New Roman" panose="02020603050405020304" pitchFamily="18" charset="0"/>
               </a:rPr>
-              <a:t>"ЭЛЕКТРОННЫЙ МАГАЗИН ПО ПРОДАЖЕ ОДЕЖДЫ"</a:t>
-            </a:r>
-            <a:endParaRPr lang="ru-RU" sz="1200" dirty="0">
-              <a:latin typeface="Times New Roman"/>
-              <a:cs typeface="Times New Roman"/>
-            </a:endParaRPr>
+              <a:t>"Разработка игры </a:t>
+            </a:r>
+            <a:r>
+              <a:rPr lang="en-US" sz="3200" dirty="0">
+                <a:latin typeface="Times New Roman" panose="02020603050405020304" pitchFamily="18" charset="0"/>
+                <a:cs typeface="Times New Roman" panose="02020603050405020304" pitchFamily="18" charset="0"/>
+              </a:rPr>
+              <a:t>Flappy bird</a:t>
+            </a:r>
+            <a:r>
+              <a:rPr lang="ru-RU" sz="3200" dirty="0">
+                <a:latin typeface="Times New Roman" panose="02020603050405020304" pitchFamily="18" charset="0"/>
+                <a:cs typeface="Times New Roman" panose="02020603050405020304" pitchFamily="18" charset="0"/>
+              </a:rPr>
+              <a:t>"</a:t>
+            </a:r>
           </a:p>
           <a:p>
             <a:pPr algn="just"/>
@@ -7260,7 +7270,7 @@
           <a:lstStyle/>
           <a:p>
             <a:r>
-              <a:rPr lang="en-US" err="1">
+              <a:rPr lang="en-US" dirty="0" err="1">
                 <a:latin typeface="Times New Roman"/>
                 <a:cs typeface="Times New Roman"/>
               </a:rPr>
@@ -7274,23 +7284,20 @@
               <a:t>: </a:t>
             </a:r>
             <a:r>
-              <a:rPr lang="en-US" err="1">
+              <a:rPr lang="ru-RU" dirty="0">
                 <a:latin typeface="Times New Roman"/>
                 <a:cs typeface="Times New Roman"/>
               </a:rPr>
-              <a:t>Хайруллин</a:t>
-            </a:r>
-            <a:r>
-              <a:rPr lang="en-US" dirty="0">
-                <a:latin typeface="Times New Roman"/>
-                <a:cs typeface="Times New Roman"/>
-              </a:rPr>
-              <a:t> А.И</a:t>
-            </a:r>
-          </a:p>
-          <a:p>
-            <a:r>
-              <a:rPr lang="en-US" err="1">
+              <a:t>Привалов В.К</a:t>
+            </a:r>
+            <a:endParaRPr lang="en-US" dirty="0">
+              <a:latin typeface="Times New Roman"/>
+              <a:cs typeface="Times New Roman"/>
+            </a:endParaRPr>
+          </a:p>
+          <a:p>
+            <a:r>
+              <a:rPr lang="en-US" dirty="0" err="1">
                 <a:latin typeface="Times New Roman"/>
                 <a:cs typeface="Times New Roman"/>
               </a:rPr>
@@ -7306,7 +7313,7 @@
           </a:p>
           <a:p>
             <a:r>
-              <a:rPr lang="en-US" err="1">
+              <a:rPr lang="en-US" dirty="0" err="1">
                 <a:latin typeface="Times New Roman"/>
                 <a:cs typeface="Times New Roman"/>
               </a:rPr>
@@ -7320,7 +7327,7 @@
               <a:t>: </a:t>
             </a:r>
             <a:r>
-              <a:rPr lang="en-US" err="1">
+              <a:rPr lang="en-US" dirty="0" err="1">
                 <a:latin typeface="Times New Roman"/>
                 <a:cs typeface="Times New Roman"/>
               </a:rPr>
